--- a/doc/02_SlideShare/01.ネタ/２_Reactの基礎/2-2_Reactの基礎知識 ～DOM操作編～.pptx
+++ b/doc/02_SlideShare/01.ネタ/２_Reactの基礎/2-2_Reactの基礎知識 ～DOM操作編～.pptx
@@ -1648,7 +1648,7 @@
           </a:ln>
           <a:extLst>
             <a:ext uri="{C572A759-6A51-4108-AA02-DFA0A04FC94B}">
-              <ma14:wrappingTextBoxFlag xmlns="" xmlns:ma14="http://schemas.microsoft.com/office/mac/drawingml/2011/main" val="1"/>
+              <ma14:wrappingTextBoxFlag xmlns:ma14="http://schemas.microsoft.com/office/mac/drawingml/2011/main" xmlns="" val="1"/>
             </a:ext>
           </a:extLst>
         </p:spPr>
@@ -1687,7 +1687,7 @@
           </a:ln>
           <a:extLst>
             <a:ext uri="{C572A759-6A51-4108-AA02-DFA0A04FC94B}">
-              <ma14:wrappingTextBoxFlag xmlns="" xmlns:ma14="http://schemas.microsoft.com/office/mac/drawingml/2011/main" val="1"/>
+              <ma14:wrappingTextBoxFlag xmlns:ma14="http://schemas.microsoft.com/office/mac/drawingml/2011/main" xmlns="" val="1"/>
             </a:ext>
           </a:extLst>
         </p:spPr>
@@ -2702,7 +2702,7 @@
           <a:p>
             <a:r>
               <a:rPr lang="en-US" altLang="ja-JP" dirty="0" smtClean="0"/>
-              <a:t>2-2.</a:t>
+              <a:t>2-2. </a:t>
             </a:r>
             <a:r>
               <a:rPr dirty="0" smtClean="0"/>
@@ -2804,7 +2804,7 @@
             <a:effectLst/>
             <a:extLst>
               <a:ext uri="{C572A759-6A51-4108-AA02-DFA0A04FC94B}">
-                <ma14:wrappingTextBoxFlag xmlns="" xmlns:ma14="http://schemas.microsoft.com/office/mac/drawingml/2011/main" val="1"/>
+                <ma14:wrappingTextBoxFlag xmlns:ma14="http://schemas.microsoft.com/office/mac/drawingml/2011/main" xmlns="" val="1"/>
               </a:ext>
             </a:extLst>
           </p:spPr>
@@ -3014,7 +3014,7 @@
           </a:ln>
           <a:extLst>
             <a:ext uri="{C572A759-6A51-4108-AA02-DFA0A04FC94B}">
-              <ma14:wrappingTextBoxFlag xmlns="" xmlns:ma14="http://schemas.microsoft.com/office/mac/drawingml/2011/main" val="1"/>
+              <ma14:wrappingTextBoxFlag xmlns:ma14="http://schemas.microsoft.com/office/mac/drawingml/2011/main" xmlns="" val="1"/>
             </a:ext>
           </a:extLst>
         </p:spPr>
@@ -3472,7 +3472,7 @@
           </a:ln>
           <a:extLst>
             <a:ext uri="{C572A759-6A51-4108-AA02-DFA0A04FC94B}">
-              <ma14:wrappingTextBoxFlag xmlns:ma14="http://schemas.microsoft.com/office/mac/drawingml/2011/main" xmlns="" val="1"/>
+              <ma14:wrappingTextBoxFlag xmlns="" xmlns:ma14="http://schemas.microsoft.com/office/mac/drawingml/2011/main" val="1"/>
             </a:ext>
           </a:extLst>
         </p:spPr>
@@ -5024,7 +5024,7 @@
           </a:ln>
           <a:extLst>
             <a:ext uri="{C572A759-6A51-4108-AA02-DFA0A04FC94B}">
-              <ma14:wrappingTextBoxFlag xmlns:ma14="http://schemas.microsoft.com/office/mac/drawingml/2011/main" xmlns="" val="1"/>
+              <ma14:wrappingTextBoxFlag xmlns="" xmlns:ma14="http://schemas.microsoft.com/office/mac/drawingml/2011/main" val="1"/>
             </a:ext>
           </a:extLst>
         </p:spPr>
@@ -5080,7 +5080,7 @@
           </a:ln>
           <a:extLst>
             <a:ext uri="{C572A759-6A51-4108-AA02-DFA0A04FC94B}">
-              <ma14:wrappingTextBoxFlag xmlns:ma14="http://schemas.microsoft.com/office/mac/drawingml/2011/main" xmlns="" val="1"/>
+              <ma14:wrappingTextBoxFlag xmlns="" xmlns:ma14="http://schemas.microsoft.com/office/mac/drawingml/2011/main" val="1"/>
             </a:ext>
           </a:extLst>
         </p:spPr>
@@ -5129,7 +5129,7 @@
           </a:ln>
           <a:extLst>
             <a:ext uri="{C572A759-6A51-4108-AA02-DFA0A04FC94B}">
-              <ma14:wrappingTextBoxFlag xmlns:ma14="http://schemas.microsoft.com/office/mac/drawingml/2011/main" xmlns="" val="1"/>
+              <ma14:wrappingTextBoxFlag xmlns="" xmlns:ma14="http://schemas.microsoft.com/office/mac/drawingml/2011/main" val="1"/>
             </a:ext>
           </a:extLst>
         </p:spPr>
@@ -5177,7 +5177,7 @@
           </a:ln>
           <a:extLst>
             <a:ext uri="{C572A759-6A51-4108-AA02-DFA0A04FC94B}">
-              <ma14:wrappingTextBoxFlag xmlns:ma14="http://schemas.microsoft.com/office/mac/drawingml/2011/main" xmlns="" val="1"/>
+              <ma14:wrappingTextBoxFlag xmlns="" xmlns:ma14="http://schemas.microsoft.com/office/mac/drawingml/2011/main" val="1"/>
             </a:ext>
           </a:extLst>
         </p:spPr>
@@ -5289,7 +5289,7 @@
           </a:ln>
           <a:extLst>
             <a:ext uri="{C572A759-6A51-4108-AA02-DFA0A04FC94B}">
-              <ma14:wrappingTextBoxFlag xmlns:ma14="http://schemas.microsoft.com/office/mac/drawingml/2011/main" xmlns="" val="1"/>
+              <ma14:wrappingTextBoxFlag xmlns="" xmlns:ma14="http://schemas.microsoft.com/office/mac/drawingml/2011/main" val="1"/>
             </a:ext>
           </a:extLst>
         </p:spPr>
@@ -5615,7 +5615,7 @@
             <a:effectLst/>
             <a:extLst>
               <a:ext uri="{C572A759-6A51-4108-AA02-DFA0A04FC94B}">
-                <ma14:wrappingTextBoxFlag xmlns="" xmlns:ma14="http://schemas.microsoft.com/office/mac/drawingml/2011/main" val="1"/>
+                <ma14:wrappingTextBoxFlag xmlns:ma14="http://schemas.microsoft.com/office/mac/drawingml/2011/main" xmlns="" val="1"/>
               </a:ext>
             </a:extLst>
           </p:spPr>
@@ -6350,7 +6350,7 @@
           <a:effectLst/>
           <a:extLst>
             <a:ext uri="{C572A759-6A51-4108-AA02-DFA0A04FC94B}">
-              <ma14:wrappingTextBoxFlag xmlns="" xmlns:ma14="http://schemas.microsoft.com/office/mac/drawingml/2011/main" val="1"/>
+              <ma14:wrappingTextBoxFlag xmlns:ma14="http://schemas.microsoft.com/office/mac/drawingml/2011/main" xmlns="" val="1"/>
             </a:ext>
           </a:extLst>
         </p:spPr>
@@ -6502,7 +6502,7 @@
             <a:effectLst/>
             <a:extLst>
               <a:ext uri="{C572A759-6A51-4108-AA02-DFA0A04FC94B}">
-                <ma14:wrappingTextBoxFlag xmlns="" xmlns:ma14="http://schemas.microsoft.com/office/mac/drawingml/2011/main" val="1"/>
+                <ma14:wrappingTextBoxFlag xmlns:ma14="http://schemas.microsoft.com/office/mac/drawingml/2011/main" xmlns="" val="1"/>
               </a:ext>
             </a:extLst>
           </p:spPr>
